--- a/doc_materials/materials.pptx
+++ b/doc_materials/materials.pptx
@@ -290,7 +290,7 @@
           <a:p>
             <a:fld id="{D137C7EB-3FE0-451B-9770-995317968685}" type="datetimeFigureOut">
               <a:rPr kumimoji="1" lang="ja-JP" altLang="en-US" smtClean="0"/>
-              <a:t>2020/8/18</a:t>
+              <a:t>2020/8/20</a:t>
             </a:fld>
             <a:endParaRPr kumimoji="1" lang="ja-JP" altLang="en-US"/>
           </a:p>
@@ -492,7 +492,7 @@
           <a:p>
             <a:fld id="{D137C7EB-3FE0-451B-9770-995317968685}" type="datetimeFigureOut">
               <a:rPr kumimoji="1" lang="ja-JP" altLang="en-US" smtClean="0"/>
-              <a:t>2020/8/18</a:t>
+              <a:t>2020/8/20</a:t>
             </a:fld>
             <a:endParaRPr kumimoji="1" lang="ja-JP" altLang="en-US"/>
           </a:p>
@@ -704,7 +704,7 @@
           <a:p>
             <a:fld id="{D137C7EB-3FE0-451B-9770-995317968685}" type="datetimeFigureOut">
               <a:rPr kumimoji="1" lang="ja-JP" altLang="en-US" smtClean="0"/>
-              <a:t>2020/8/18</a:t>
+              <a:t>2020/8/20</a:t>
             </a:fld>
             <a:endParaRPr kumimoji="1" lang="ja-JP" altLang="en-US"/>
           </a:p>
@@ -906,7 +906,7 @@
           <a:p>
             <a:fld id="{D137C7EB-3FE0-451B-9770-995317968685}" type="datetimeFigureOut">
               <a:rPr kumimoji="1" lang="ja-JP" altLang="en-US" smtClean="0"/>
-              <a:t>2020/8/18</a:t>
+              <a:t>2020/8/20</a:t>
             </a:fld>
             <a:endParaRPr kumimoji="1" lang="ja-JP" altLang="en-US"/>
           </a:p>
@@ -1152,7 +1152,7 @@
           <a:p>
             <a:fld id="{D137C7EB-3FE0-451B-9770-995317968685}" type="datetimeFigureOut">
               <a:rPr kumimoji="1" lang="ja-JP" altLang="en-US" smtClean="0"/>
-              <a:t>2020/8/18</a:t>
+              <a:t>2020/8/20</a:t>
             </a:fld>
             <a:endParaRPr kumimoji="1" lang="ja-JP" altLang="en-US"/>
           </a:p>
@@ -1504,7 +1504,7 @@
           <a:p>
             <a:fld id="{D137C7EB-3FE0-451B-9770-995317968685}" type="datetimeFigureOut">
               <a:rPr kumimoji="1" lang="ja-JP" altLang="en-US" smtClean="0"/>
-              <a:t>2020/8/18</a:t>
+              <a:t>2020/8/20</a:t>
             </a:fld>
             <a:endParaRPr kumimoji="1" lang="ja-JP" altLang="en-US"/>
           </a:p>
@@ -1990,7 +1990,7 @@
           <a:p>
             <a:fld id="{D137C7EB-3FE0-451B-9770-995317968685}" type="datetimeFigureOut">
               <a:rPr kumimoji="1" lang="ja-JP" altLang="en-US" smtClean="0"/>
-              <a:t>2020/8/18</a:t>
+              <a:t>2020/8/20</a:t>
             </a:fld>
             <a:endParaRPr kumimoji="1" lang="ja-JP" altLang="en-US"/>
           </a:p>
@@ -2108,7 +2108,7 @@
           <a:p>
             <a:fld id="{D137C7EB-3FE0-451B-9770-995317968685}" type="datetimeFigureOut">
               <a:rPr kumimoji="1" lang="ja-JP" altLang="en-US" smtClean="0"/>
-              <a:t>2020/8/18</a:t>
+              <a:t>2020/8/20</a:t>
             </a:fld>
             <a:endParaRPr kumimoji="1" lang="ja-JP" altLang="en-US"/>
           </a:p>
@@ -2203,7 +2203,7 @@
           <a:p>
             <a:fld id="{D137C7EB-3FE0-451B-9770-995317968685}" type="datetimeFigureOut">
               <a:rPr kumimoji="1" lang="ja-JP" altLang="en-US" smtClean="0"/>
-              <a:t>2020/8/18</a:t>
+              <a:t>2020/8/20</a:t>
             </a:fld>
             <a:endParaRPr kumimoji="1" lang="ja-JP" altLang="en-US"/>
           </a:p>
@@ -2512,7 +2512,7 @@
           <a:p>
             <a:fld id="{D137C7EB-3FE0-451B-9770-995317968685}" type="datetimeFigureOut">
               <a:rPr kumimoji="1" lang="ja-JP" altLang="en-US" smtClean="0"/>
-              <a:t>2020/8/18</a:t>
+              <a:t>2020/8/20</a:t>
             </a:fld>
             <a:endParaRPr kumimoji="1" lang="ja-JP" altLang="en-US"/>
           </a:p>
@@ -2765,7 +2765,7 @@
           <a:p>
             <a:fld id="{D137C7EB-3FE0-451B-9770-995317968685}" type="datetimeFigureOut">
               <a:rPr kumimoji="1" lang="ja-JP" altLang="en-US" smtClean="0"/>
-              <a:t>2020/8/18</a:t>
+              <a:t>2020/8/20</a:t>
             </a:fld>
             <a:endParaRPr kumimoji="1" lang="ja-JP" altLang="en-US"/>
           </a:p>
@@ -3010,7 +3010,7 @@
           <a:p>
             <a:fld id="{D137C7EB-3FE0-451B-9770-995317968685}" type="datetimeFigureOut">
               <a:rPr kumimoji="1" lang="ja-JP" altLang="en-US" smtClean="0"/>
-              <a:t>2020/8/18</a:t>
+              <a:t>2020/8/20</a:t>
             </a:fld>
             <a:endParaRPr kumimoji="1" lang="ja-JP" altLang="en-US"/>
           </a:p>
@@ -4776,7 +4776,7 @@
         <p:spPr>
           <a:xfrm>
             <a:off x="605165" y="404664"/>
-            <a:ext cx="5262979" cy="3416320"/>
+            <a:ext cx="5032147" cy="2585323"/>
           </a:xfrm>
           <a:prstGeom prst="rect">
             <a:avLst/>
@@ -4795,6 +4795,11 @@
           <a:p>
             <a:r>
               <a:rPr kumimoji="1" lang="en-US" altLang="ja-JP" b="1" dirty="0" smtClean="0">
+                <a:solidFill>
+                  <a:schemeClr val="accent3">
+                    <a:lumMod val="75000"/>
+                  </a:schemeClr>
+                </a:solidFill>
                 <a:latin typeface="BIZ UDゴシック" panose="020B0400000000000000" pitchFamily="49" charset="-128"/>
                 <a:ea typeface="BIZ UDゴシック" panose="020B0400000000000000" pitchFamily="49" charset="-128"/>
               </a:rPr>
@@ -4828,12 +4833,17 @@
                 <a:latin typeface="BIZ UDゴシック" panose="020B0400000000000000" pitchFamily="49" charset="-128"/>
                 <a:ea typeface="BIZ UDゴシック" panose="020B0400000000000000" pitchFamily="49" charset="-128"/>
               </a:rPr>
-              <a:t>(col1, col2) VALUES (</a:t>
+              <a:t>(col1, col2) VALUES</a:t>
             </a:r>
           </a:p>
           <a:p>
             <a:r>
               <a:rPr lang="en-US" altLang="ja-JP" b="1" dirty="0">
+                <a:solidFill>
+                  <a:schemeClr val="accent3">
+                    <a:lumMod val="75000"/>
+                  </a:schemeClr>
+                </a:solidFill>
                 <a:latin typeface="BIZ UDゴシック" panose="020B0400000000000000" pitchFamily="49" charset="-128"/>
                 <a:ea typeface="BIZ UDゴシック" panose="020B0400000000000000" pitchFamily="49" charset="-128"/>
               </a:rPr>
@@ -4844,7 +4854,9 @@
             <a:r>
               <a:rPr lang="en-US" altLang="ja-JP" b="1" dirty="0" smtClean="0">
                 <a:solidFill>
-                  <a:srgbClr val="00B050"/>
+                  <a:schemeClr val="accent6">
+                    <a:lumMod val="75000"/>
+                  </a:schemeClr>
                 </a:solidFill>
                 <a:latin typeface="BIZ UDゴシック" panose="020B0400000000000000" pitchFamily="49" charset="-128"/>
                 <a:ea typeface="BIZ UDゴシック" panose="020B0400000000000000" pitchFamily="49" charset="-128"/>
@@ -4854,7 +4866,9 @@
             <a:r>
               <a:rPr lang="en-US" altLang="ja-JP" b="1" dirty="0" err="1" smtClean="0">
                 <a:solidFill>
-                  <a:srgbClr val="00B050"/>
+                  <a:schemeClr val="accent6">
+                    <a:lumMod val="75000"/>
+                  </a:schemeClr>
                 </a:solidFill>
                 <a:latin typeface="BIZ UDゴシック" panose="020B0400000000000000" pitchFamily="49" charset="-128"/>
                 <a:ea typeface="BIZ UDゴシック" panose="020B0400000000000000" pitchFamily="49" charset="-128"/>
@@ -4864,7 +4878,9 @@
             <a:r>
               <a:rPr lang="en-US" altLang="ja-JP" b="1" dirty="0" smtClean="0">
                 <a:solidFill>
-                  <a:srgbClr val="00B050"/>
+                  <a:schemeClr val="accent6">
+                    <a:lumMod val="75000"/>
+                  </a:schemeClr>
                 </a:solidFill>
                 <a:latin typeface="BIZ UDゴシック" panose="020B0400000000000000" pitchFamily="49" charset="-128"/>
                 <a:ea typeface="BIZ UDゴシック" panose="020B0400000000000000" pitchFamily="49" charset="-128"/>
@@ -4919,7 +4935,9 @@
             <a:r>
               <a:rPr lang="en-US" altLang="ja-JP" b="1" dirty="0" smtClean="0">
                 <a:solidFill>
-                  <a:srgbClr val="00B050"/>
+                  <a:schemeClr val="accent6">
+                    <a:lumMod val="75000"/>
+                  </a:schemeClr>
                 </a:solidFill>
                 <a:latin typeface="BIZ UDゴシック" panose="020B0400000000000000" pitchFamily="49" charset="-128"/>
                 <a:ea typeface="BIZ UDゴシック" panose="020B0400000000000000" pitchFamily="49" charset="-128"/>
@@ -4927,6 +4945,11 @@
               <a:t>/*@end*/</a:t>
             </a:r>
             <a:endParaRPr lang="en-US" altLang="ja-JP" dirty="0" smtClean="0">
+              <a:solidFill>
+                <a:schemeClr val="accent6">
+                  <a:lumMod val="75000"/>
+                </a:schemeClr>
+              </a:solidFill>
               <a:latin typeface="BIZ UDゴシック" panose="020B0400000000000000" pitchFamily="49" charset="-128"/>
               <a:ea typeface="BIZ UDゴシック" panose="020B0400000000000000" pitchFamily="49" charset="-128"/>
             </a:endParaRPr>
@@ -4990,54 +5013,6 @@
               <a:latin typeface="BIZ UDゴシック" panose="020B0400000000000000" pitchFamily="49" charset="-128"/>
               <a:ea typeface="BIZ UDゴシック" panose="020B0400000000000000" pitchFamily="49" charset="-128"/>
             </a:endParaRPr>
-          </a:p>
-          <a:p>
-            <a:r>
-              <a:rPr lang="en-US" altLang="ja-JP" b="1" dirty="0">
-                <a:latin typeface="BIZ UDゴシック" panose="020B0400000000000000" pitchFamily="49" charset="-128"/>
-                <a:ea typeface="BIZ UDゴシック" panose="020B0400000000000000" pitchFamily="49" charset="-128"/>
-              </a:rPr>
-              <a:t>/*@start </a:t>
-            </a:r>
-            <a:r>
-              <a:rPr lang="en-US" altLang="ja-JP" b="1" dirty="0" err="1" smtClean="0">
-                <a:latin typeface="BIZ UDゴシック" panose="020B0400000000000000" pitchFamily="49" charset="-128"/>
-                <a:ea typeface="BIZ UDゴシック" panose="020B0400000000000000" pitchFamily="49" charset="-128"/>
-              </a:rPr>
-              <a:t>surfix</a:t>
-            </a:r>
-            <a:r>
-              <a:rPr lang="en-US" altLang="ja-JP" b="1" dirty="0" smtClean="0">
-                <a:latin typeface="BIZ UDゴシック" panose="020B0400000000000000" pitchFamily="49" charset="-128"/>
-                <a:ea typeface="BIZ UDゴシック" panose="020B0400000000000000" pitchFamily="49" charset="-128"/>
-              </a:rPr>
-              <a:t> </a:t>
-            </a:r>
-            <a:r>
-              <a:rPr lang="en-US" altLang="ja-JP" b="1" dirty="0">
-                <a:latin typeface="BIZ UDゴシック" panose="020B0400000000000000" pitchFamily="49" charset="-128"/>
-                <a:ea typeface="BIZ UDゴシック" panose="020B0400000000000000" pitchFamily="49" charset="-128"/>
-              </a:rPr>
-              <a:t>*/</a:t>
-            </a:r>
-          </a:p>
-          <a:p>
-            <a:r>
-              <a:rPr lang="en-US" altLang="ja-JP" dirty="0" smtClean="0">
-                <a:latin typeface="BIZ UDゴシック" panose="020B0400000000000000" pitchFamily="49" charset="-128"/>
-                <a:ea typeface="BIZ UDゴシック" panose="020B0400000000000000" pitchFamily="49" charset="-128"/>
-              </a:rPr>
-              <a:t>)</a:t>
-            </a:r>
-          </a:p>
-          <a:p>
-            <a:r>
-              <a:rPr lang="en-US" altLang="ja-JP" b="1" dirty="0" smtClean="0">
-                <a:latin typeface="BIZ UDゴシック" panose="020B0400000000000000" pitchFamily="49" charset="-128"/>
-                <a:ea typeface="BIZ UDゴシック" panose="020B0400000000000000" pitchFamily="49" charset="-128"/>
-              </a:rPr>
-              <a:t>/*@end*/</a:t>
-            </a:r>
           </a:p>
         </p:txBody>
       </p:sp>
@@ -5097,116 +5072,106 @@
               <a:t>{prefix, </a:t>
             </a:r>
             <a:r>
-              <a:rPr kumimoji="1" lang="en-US" altLang="ja-JP" dirty="0" err="1" smtClean="0">
+              <a:rPr kumimoji="1" lang="en-US" altLang="ja-JP" b="1" dirty="0" err="1" smtClean="0">
+                <a:solidFill>
+                  <a:schemeClr val="accent6">
+                    <a:lumMod val="75000"/>
+                  </a:schemeClr>
+                </a:solidFill>
+              </a:rPr>
+              <a:t>loopVal</a:t>
+            </a:r>
+            <a:r>
+              <a:rPr kumimoji="1" lang="en-US" altLang="ja-JP" b="1" dirty="0" smtClean="0">
                 <a:solidFill>
                   <a:schemeClr val="tx1"/>
                 </a:solidFill>
               </a:rPr>
+              <a:t>, </a:t>
+            </a:r>
+            <a:r>
+              <a:rPr kumimoji="1" lang="en-US" altLang="ja-JP" b="1" dirty="0" err="1" smtClean="0">
+                <a:solidFill>
+                  <a:srgbClr val="0070C0"/>
+                </a:solidFill>
+              </a:rPr>
+              <a:t>loopDelim</a:t>
+            </a:r>
+            <a:r>
+              <a:rPr kumimoji="1" lang="en-US" altLang="ja-JP" b="1" dirty="0" smtClean="0">
+                <a:solidFill>
+                  <a:schemeClr val="tx1"/>
+                </a:solidFill>
+              </a:rPr>
+              <a:t>, </a:t>
+            </a:r>
+            <a:r>
+              <a:rPr lang="en-US" altLang="ja-JP" b="1" dirty="0" err="1">
+                <a:solidFill>
+                  <a:schemeClr val="accent6">
+                    <a:lumMod val="75000"/>
+                  </a:schemeClr>
+                </a:solidFill>
+              </a:rPr>
               <a:t>loopVal</a:t>
             </a:r>
             <a:r>
+              <a:rPr lang="en-US" altLang="ja-JP" b="1" dirty="0">
+                <a:solidFill>
+                  <a:schemeClr val="tx1"/>
+                </a:solidFill>
+              </a:rPr>
+              <a:t>, </a:t>
+            </a:r>
+            <a:r>
+              <a:rPr lang="en-US" altLang="ja-JP" b="1" dirty="0" err="1">
+                <a:solidFill>
+                  <a:srgbClr val="0070C0"/>
+                </a:solidFill>
+              </a:rPr>
+              <a:t>loopDelim</a:t>
+            </a:r>
+            <a:r>
+              <a:rPr lang="en-US" altLang="ja-JP" dirty="0" smtClean="0">
+                <a:solidFill>
+                  <a:schemeClr val="tx1"/>
+                </a:solidFill>
+              </a:rPr>
+              <a:t>, … , </a:t>
+            </a:r>
+            <a:r>
+              <a:rPr lang="en-US" altLang="ja-JP" b="1" dirty="0" err="1" smtClean="0">
+                <a:solidFill>
+                  <a:srgbClr val="0070C0"/>
+                </a:solidFill>
+              </a:rPr>
+              <a:t>loopDelim</a:t>
+            </a:r>
+            <a:r>
+              <a:rPr lang="en-US" altLang="ja-JP" b="1" dirty="0" smtClean="0">
+                <a:solidFill>
+                  <a:schemeClr val="tx1"/>
+                </a:solidFill>
+              </a:rPr>
+              <a:t>, </a:t>
+            </a:r>
+            <a:r>
+              <a:rPr lang="en-US" altLang="ja-JP" b="1" dirty="0" err="1" smtClean="0">
+                <a:solidFill>
+                  <a:schemeClr val="accent6">
+                    <a:lumMod val="75000"/>
+                  </a:schemeClr>
+                </a:solidFill>
+              </a:rPr>
+              <a:t>loopVal</a:t>
+            </a:r>
+            <a:r>
               <a:rPr kumimoji="1" lang="en-US" altLang="ja-JP" dirty="0" smtClean="0">
                 <a:solidFill>
                   <a:schemeClr val="tx1"/>
                 </a:solidFill>
               </a:rPr>
-              <a:t>, </a:t>
-            </a:r>
-            <a:r>
-              <a:rPr kumimoji="1" lang="en-US" altLang="ja-JP" dirty="0" err="1" smtClean="0">
-                <a:solidFill>
-                  <a:schemeClr val="tx1"/>
-                </a:solidFill>
-              </a:rPr>
-              <a:t>loopDelim</a:t>
-            </a:r>
-            <a:r>
-              <a:rPr kumimoji="1" lang="en-US" altLang="ja-JP" dirty="0" smtClean="0">
-                <a:solidFill>
-                  <a:schemeClr val="tx1"/>
-                </a:solidFill>
-              </a:rPr>
-              <a:t>, </a:t>
-            </a:r>
-            <a:r>
-              <a:rPr lang="en-US" altLang="ja-JP" dirty="0" err="1">
-                <a:solidFill>
-                  <a:schemeClr val="tx1"/>
-                </a:solidFill>
-              </a:rPr>
-              <a:t>loopVal</a:t>
-            </a:r>
-            <a:r>
-              <a:rPr lang="en-US" altLang="ja-JP" dirty="0">
-                <a:solidFill>
-                  <a:schemeClr val="tx1"/>
-                </a:solidFill>
-              </a:rPr>
-              <a:t>, </a:t>
-            </a:r>
-            <a:r>
-              <a:rPr lang="en-US" altLang="ja-JP" dirty="0" err="1">
-                <a:solidFill>
-                  <a:schemeClr val="tx1"/>
-                </a:solidFill>
-              </a:rPr>
-              <a:t>loopDelim</a:t>
-            </a:r>
-            <a:r>
-              <a:rPr lang="en-US" altLang="ja-JP" dirty="0" smtClean="0">
-                <a:solidFill>
-                  <a:schemeClr val="tx1"/>
-                </a:solidFill>
-              </a:rPr>
-              <a:t>, … , </a:t>
-            </a:r>
-            <a:r>
-              <a:rPr lang="en-US" altLang="ja-JP" dirty="0" err="1" smtClean="0">
-                <a:solidFill>
-                  <a:schemeClr val="tx1"/>
-                </a:solidFill>
-              </a:rPr>
-              <a:t>loopDelim</a:t>
-            </a:r>
-            <a:r>
-              <a:rPr lang="en-US" altLang="ja-JP" dirty="0" smtClean="0">
-                <a:solidFill>
-                  <a:schemeClr val="tx1"/>
-                </a:solidFill>
-              </a:rPr>
-              <a:t>, </a:t>
-            </a:r>
-            <a:r>
-              <a:rPr lang="en-US" altLang="ja-JP" dirty="0" err="1" smtClean="0">
-                <a:solidFill>
-                  <a:schemeClr val="tx1"/>
-                </a:solidFill>
-              </a:rPr>
-              <a:t>loopVal</a:t>
-            </a:r>
-            <a:r>
-              <a:rPr lang="en-US" altLang="ja-JP" dirty="0" smtClean="0">
-                <a:solidFill>
-                  <a:schemeClr val="tx1"/>
-                </a:solidFill>
-              </a:rPr>
-              <a:t>, </a:t>
-            </a:r>
-            <a:r>
-              <a:rPr lang="en-US" altLang="ja-JP" dirty="0" err="1" smtClean="0">
-                <a:solidFill>
-                  <a:schemeClr val="tx1"/>
-                </a:solidFill>
-              </a:rPr>
-              <a:t>surfix</a:t>
-            </a:r>
-            <a:r>
-              <a:rPr kumimoji="1" lang="en-US" altLang="ja-JP" dirty="0" smtClean="0">
-                <a:solidFill>
-                  <a:schemeClr val="tx1"/>
-                </a:solidFill>
-              </a:rPr>
-              <a:t> }</a:t>
+              <a:t>}</a:t>
             </a:r>
             <a:endParaRPr kumimoji="1" lang="ja-JP" altLang="en-US" dirty="0">
               <a:solidFill>
@@ -5298,8 +5263,8 @@
         </p:nvSpPr>
         <p:spPr>
           <a:xfrm>
-            <a:off x="1475656" y="5617424"/>
-            <a:ext cx="7272808" cy="907920"/>
+            <a:off x="692727" y="5617424"/>
+            <a:ext cx="8055737" cy="907920"/>
           </a:xfrm>
           <a:prstGeom prst="rect">
             <a:avLst/>
@@ -5382,177 +5347,217 @@
                 <a:latin typeface="BIZ UDゴシック" panose="020B0400000000000000" pitchFamily="49" charset="-128"/>
                 <a:ea typeface="BIZ UDゴシック" panose="020B0400000000000000" pitchFamily="49" charset="-128"/>
               </a:rPr>
+              <a:t>(:col1_</a:t>
+            </a:r>
+            <a:r>
+              <a:rPr lang="en-US" altLang="ja-JP" sz="1600" b="1" dirty="0" smtClean="0">
+                <a:solidFill>
+                  <a:srgbClr val="FF0000"/>
+                </a:solidFill>
+                <a:latin typeface="BIZ UDゴシック" panose="020B0400000000000000" pitchFamily="49" charset="-128"/>
+                <a:ea typeface="BIZ UDゴシック" panose="020B0400000000000000" pitchFamily="49" charset="-128"/>
+              </a:rPr>
+              <a:t>0</a:t>
+            </a:r>
+            <a:r>
+              <a:rPr lang="en-US" altLang="ja-JP" sz="1600" dirty="0" smtClean="0">
+                <a:solidFill>
+                  <a:schemeClr val="tx1"/>
+                </a:solidFill>
+                <a:latin typeface="BIZ UDゴシック" panose="020B0400000000000000" pitchFamily="49" charset="-128"/>
+                <a:ea typeface="BIZ UDゴシック" panose="020B0400000000000000" pitchFamily="49" charset="-128"/>
+              </a:rPr>
+              <a:t>, :col2_</a:t>
+            </a:r>
+            <a:r>
+              <a:rPr lang="en-US" altLang="ja-JP" sz="1600" b="1" dirty="0">
+                <a:solidFill>
+                  <a:srgbClr val="FF0000"/>
+                </a:solidFill>
+                <a:latin typeface="BIZ UDゴシック" panose="020B0400000000000000" pitchFamily="49" charset="-128"/>
+                <a:ea typeface="BIZ UDゴシック" panose="020B0400000000000000" pitchFamily="49" charset="-128"/>
+              </a:rPr>
+              <a:t>0</a:t>
+            </a:r>
+            <a:r>
+              <a:rPr lang="en-US" altLang="ja-JP" sz="1600" dirty="0" smtClean="0">
+                <a:solidFill>
+                  <a:schemeClr val="tx1"/>
+                </a:solidFill>
+                <a:latin typeface="BIZ UDゴシック" panose="020B0400000000000000" pitchFamily="49" charset="-128"/>
+                <a:ea typeface="BIZ UDゴシック" panose="020B0400000000000000" pitchFamily="49" charset="-128"/>
+              </a:rPr>
+              <a:t>), (:col1_</a:t>
+            </a:r>
+            <a:r>
+              <a:rPr lang="en-US" altLang="ja-JP" sz="1600" b="1" dirty="0" smtClean="0">
+                <a:solidFill>
+                  <a:srgbClr val="FF0000"/>
+                </a:solidFill>
+                <a:latin typeface="BIZ UDゴシック" panose="020B0400000000000000" pitchFamily="49" charset="-128"/>
+                <a:ea typeface="BIZ UDゴシック" panose="020B0400000000000000" pitchFamily="49" charset="-128"/>
+              </a:rPr>
+              <a:t>1</a:t>
+            </a:r>
+            <a:r>
+              <a:rPr lang="en-US" altLang="ja-JP" sz="1600" dirty="0" smtClean="0">
+                <a:solidFill>
+                  <a:schemeClr val="tx1"/>
+                </a:solidFill>
+                <a:latin typeface="BIZ UDゴシック" panose="020B0400000000000000" pitchFamily="49" charset="-128"/>
+                <a:ea typeface="BIZ UDゴシック" panose="020B0400000000000000" pitchFamily="49" charset="-128"/>
+              </a:rPr>
+              <a:t>, :col2_</a:t>
+            </a:r>
+            <a:r>
+              <a:rPr lang="en-US" altLang="ja-JP" sz="1600" b="1" dirty="0" smtClean="0">
+                <a:solidFill>
+                  <a:srgbClr val="FF0000"/>
+                </a:solidFill>
+                <a:latin typeface="BIZ UDゴシック" panose="020B0400000000000000" pitchFamily="49" charset="-128"/>
+                <a:ea typeface="BIZ UDゴシック" panose="020B0400000000000000" pitchFamily="49" charset="-128"/>
+              </a:rPr>
+              <a:t>1</a:t>
+            </a:r>
+            <a:r>
+              <a:rPr lang="en-US" altLang="ja-JP" sz="1600" dirty="0">
+                <a:solidFill>
+                  <a:schemeClr val="tx1"/>
+                </a:solidFill>
+                <a:latin typeface="BIZ UDゴシック" panose="020B0400000000000000" pitchFamily="49" charset="-128"/>
+                <a:ea typeface="BIZ UDゴシック" panose="020B0400000000000000" pitchFamily="49" charset="-128"/>
+              </a:rPr>
+              <a:t>), (:</a:t>
+            </a:r>
+            <a:r>
+              <a:rPr lang="en-US" altLang="ja-JP" sz="1600" dirty="0" smtClean="0">
+                <a:solidFill>
+                  <a:schemeClr val="tx1"/>
+                </a:solidFill>
+                <a:latin typeface="BIZ UDゴシック" panose="020B0400000000000000" pitchFamily="49" charset="-128"/>
+                <a:ea typeface="BIZ UDゴシック" panose="020B0400000000000000" pitchFamily="49" charset="-128"/>
+              </a:rPr>
+              <a:t>col1_</a:t>
+            </a:r>
+            <a:r>
+              <a:rPr lang="en-US" altLang="ja-JP" sz="1600" b="1" dirty="0" smtClean="0">
+                <a:solidFill>
+                  <a:srgbClr val="FF0000"/>
+                </a:solidFill>
+                <a:latin typeface="BIZ UDゴシック" panose="020B0400000000000000" pitchFamily="49" charset="-128"/>
+                <a:ea typeface="BIZ UDゴシック" panose="020B0400000000000000" pitchFamily="49" charset="-128"/>
+              </a:rPr>
+              <a:t>2</a:t>
+            </a:r>
+            <a:r>
+              <a:rPr lang="en-US" altLang="ja-JP" sz="1600" dirty="0" smtClean="0">
+                <a:solidFill>
+                  <a:schemeClr val="tx1"/>
+                </a:solidFill>
+                <a:latin typeface="BIZ UDゴシック" panose="020B0400000000000000" pitchFamily="49" charset="-128"/>
+                <a:ea typeface="BIZ UDゴシック" panose="020B0400000000000000" pitchFamily="49" charset="-128"/>
+              </a:rPr>
+              <a:t>, </a:t>
+            </a:r>
+            <a:r>
+              <a:rPr lang="en-US" altLang="ja-JP" sz="1600" dirty="0">
+                <a:solidFill>
+                  <a:schemeClr val="tx1"/>
+                </a:solidFill>
+                <a:latin typeface="BIZ UDゴシック" panose="020B0400000000000000" pitchFamily="49" charset="-128"/>
+                <a:ea typeface="BIZ UDゴシック" panose="020B0400000000000000" pitchFamily="49" charset="-128"/>
+              </a:rPr>
+              <a:t>:</a:t>
+            </a:r>
+            <a:r>
+              <a:rPr lang="en-US" altLang="ja-JP" sz="1600" dirty="0" smtClean="0">
+                <a:solidFill>
+                  <a:schemeClr val="tx1"/>
+                </a:solidFill>
+                <a:latin typeface="BIZ UDゴシック" panose="020B0400000000000000" pitchFamily="49" charset="-128"/>
+                <a:ea typeface="BIZ UDゴシック" panose="020B0400000000000000" pitchFamily="49" charset="-128"/>
+              </a:rPr>
+              <a:t>col2_</a:t>
+            </a:r>
+            <a:r>
+              <a:rPr lang="en-US" altLang="ja-JP" sz="1600" b="1" dirty="0" smtClean="0">
+                <a:solidFill>
+                  <a:srgbClr val="FF0000"/>
+                </a:solidFill>
+                <a:latin typeface="BIZ UDゴシック" panose="020B0400000000000000" pitchFamily="49" charset="-128"/>
+                <a:ea typeface="BIZ UDゴシック" panose="020B0400000000000000" pitchFamily="49" charset="-128"/>
+              </a:rPr>
+              <a:t>2</a:t>
+            </a:r>
+            <a:r>
+              <a:rPr lang="en-US" altLang="ja-JP" sz="1600" dirty="0" smtClean="0">
+                <a:solidFill>
+                  <a:schemeClr val="tx1"/>
+                </a:solidFill>
+                <a:latin typeface="BIZ UDゴシック" panose="020B0400000000000000" pitchFamily="49" charset="-128"/>
+                <a:ea typeface="BIZ UDゴシック" panose="020B0400000000000000" pitchFamily="49" charset="-128"/>
+              </a:rPr>
+              <a:t>), ... , (:col1_</a:t>
+            </a:r>
+            <a:r>
+              <a:rPr lang="en-US" altLang="ja-JP" sz="1600" b="1" dirty="0" smtClean="0">
+                <a:solidFill>
+                  <a:srgbClr val="FF0000"/>
+                </a:solidFill>
+                <a:latin typeface="BIZ UDゴシック" panose="020B0400000000000000" pitchFamily="49" charset="-128"/>
+                <a:ea typeface="BIZ UDゴシック" panose="020B0400000000000000" pitchFamily="49" charset="-128"/>
+              </a:rPr>
+              <a:t>(N-1)</a:t>
+            </a:r>
+            <a:r>
+              <a:rPr lang="en-US" altLang="ja-JP" sz="1600" dirty="0" smtClean="0">
+                <a:solidFill>
+                  <a:schemeClr val="tx1"/>
+                </a:solidFill>
+                <a:latin typeface="BIZ UDゴシック" panose="020B0400000000000000" pitchFamily="49" charset="-128"/>
+                <a:ea typeface="BIZ UDゴシック" panose="020B0400000000000000" pitchFamily="49" charset="-128"/>
+              </a:rPr>
+              <a:t>, :col2_</a:t>
+            </a:r>
+            <a:r>
+              <a:rPr lang="en-US" altLang="ja-JP" sz="1600" b="1" dirty="0" smtClean="0">
+                <a:solidFill>
+                  <a:srgbClr val="FF0000"/>
+                </a:solidFill>
+                <a:latin typeface="BIZ UDゴシック" panose="020B0400000000000000" pitchFamily="49" charset="-128"/>
+                <a:ea typeface="BIZ UDゴシック" panose="020B0400000000000000" pitchFamily="49" charset="-128"/>
+              </a:rPr>
               <a:t>(</a:t>
             </a:r>
             <a:r>
-              <a:rPr lang="ja-JP" altLang="en-US" sz="1600" dirty="0">
+              <a:rPr lang="en-US" altLang="ja-JP" sz="1600" b="1" dirty="0">
+                <a:solidFill>
+                  <a:srgbClr val="FF0000"/>
+                </a:solidFill>
+                <a:latin typeface="BIZ UDゴシック" panose="020B0400000000000000" pitchFamily="49" charset="-128"/>
+                <a:ea typeface="BIZ UDゴシック" panose="020B0400000000000000" pitchFamily="49" charset="-128"/>
+              </a:rPr>
+              <a:t>N-1</a:t>
+            </a:r>
+            <a:r>
+              <a:rPr lang="en-US" altLang="ja-JP" sz="1600" b="1" dirty="0" smtClean="0">
+                <a:solidFill>
+                  <a:srgbClr val="FF0000"/>
+                </a:solidFill>
+                <a:latin typeface="BIZ UDゴシック" panose="020B0400000000000000" pitchFamily="49" charset="-128"/>
+                <a:ea typeface="BIZ UDゴシック" panose="020B0400000000000000" pitchFamily="49" charset="-128"/>
+              </a:rPr>
+              <a:t>)</a:t>
+            </a:r>
+            <a:r>
+              <a:rPr lang="en-US" altLang="ja-JP" sz="1600" dirty="0" smtClean="0">
                 <a:solidFill>
                   <a:schemeClr val="tx1"/>
                 </a:solidFill>
                 <a:latin typeface="BIZ UDゴシック" panose="020B0400000000000000" pitchFamily="49" charset="-128"/>
                 <a:ea typeface="BIZ UDゴシック" panose="020B0400000000000000" pitchFamily="49" charset="-128"/>
               </a:rPr>
-              <a:t> </a:t>
-            </a:r>
-            <a:r>
-              <a:rPr lang="en-US" altLang="ja-JP" sz="1600" dirty="0" smtClean="0">
-                <a:solidFill>
-                  <a:schemeClr val="tx1"/>
-                </a:solidFill>
-                <a:latin typeface="BIZ UDゴシック" panose="020B0400000000000000" pitchFamily="49" charset="-128"/>
-                <a:ea typeface="BIZ UDゴシック" panose="020B0400000000000000" pitchFamily="49" charset="-128"/>
-              </a:rPr>
-              <a:t>(:col1_</a:t>
-            </a:r>
-            <a:r>
-              <a:rPr lang="en-US" altLang="ja-JP" sz="1600" b="1" dirty="0" smtClean="0">
-                <a:solidFill>
-                  <a:srgbClr val="FF0000"/>
-                </a:solidFill>
-                <a:latin typeface="BIZ UDゴシック" panose="020B0400000000000000" pitchFamily="49" charset="-128"/>
-                <a:ea typeface="BIZ UDゴシック" panose="020B0400000000000000" pitchFamily="49" charset="-128"/>
-              </a:rPr>
-              <a:t>1</a:t>
-            </a:r>
-            <a:r>
-              <a:rPr lang="en-US" altLang="ja-JP" sz="1600" dirty="0" smtClean="0">
-                <a:solidFill>
-                  <a:schemeClr val="tx1"/>
-                </a:solidFill>
-                <a:latin typeface="BIZ UDゴシック" panose="020B0400000000000000" pitchFamily="49" charset="-128"/>
-                <a:ea typeface="BIZ UDゴシック" panose="020B0400000000000000" pitchFamily="49" charset="-128"/>
-              </a:rPr>
-              <a:t>, </a:t>
-            </a:r>
-            <a:r>
-              <a:rPr lang="en-US" altLang="ja-JP" sz="1600" dirty="0" smtClean="0">
-                <a:solidFill>
-                  <a:schemeClr val="tx1"/>
-                </a:solidFill>
-                <a:latin typeface="BIZ UDゴシック" panose="020B0400000000000000" pitchFamily="49" charset="-128"/>
-                <a:ea typeface="BIZ UDゴシック" panose="020B0400000000000000" pitchFamily="49" charset="-128"/>
-              </a:rPr>
-              <a:t>:</a:t>
-            </a:r>
-            <a:r>
-              <a:rPr lang="en-US" altLang="ja-JP" sz="1600" dirty="0" smtClean="0">
-                <a:solidFill>
-                  <a:schemeClr val="tx1"/>
-                </a:solidFill>
-                <a:latin typeface="BIZ UDゴシック" panose="020B0400000000000000" pitchFamily="49" charset="-128"/>
-                <a:ea typeface="BIZ UDゴシック" panose="020B0400000000000000" pitchFamily="49" charset="-128"/>
-              </a:rPr>
-              <a:t>col2_</a:t>
-            </a:r>
-            <a:r>
-              <a:rPr lang="en-US" altLang="ja-JP" sz="1600" b="1" dirty="0" smtClean="0">
-                <a:solidFill>
-                  <a:srgbClr val="FF0000"/>
-                </a:solidFill>
-                <a:latin typeface="BIZ UDゴシック" panose="020B0400000000000000" pitchFamily="49" charset="-128"/>
-                <a:ea typeface="BIZ UDゴシック" panose="020B0400000000000000" pitchFamily="49" charset="-128"/>
-              </a:rPr>
-              <a:t>1</a:t>
-            </a:r>
-            <a:r>
-              <a:rPr lang="en-US" altLang="ja-JP" sz="1600" dirty="0" smtClean="0">
-                <a:solidFill>
-                  <a:schemeClr val="tx1"/>
-                </a:solidFill>
-                <a:latin typeface="BIZ UDゴシック" panose="020B0400000000000000" pitchFamily="49" charset="-128"/>
-                <a:ea typeface="BIZ UDゴシック" panose="020B0400000000000000" pitchFamily="49" charset="-128"/>
-              </a:rPr>
-              <a:t>),</a:t>
-            </a:r>
-            <a:r>
-              <a:rPr lang="en-US" altLang="ja-JP" sz="1600" dirty="0" smtClean="0">
-                <a:solidFill>
-                  <a:schemeClr val="tx1"/>
-                </a:solidFill>
-                <a:latin typeface="BIZ UDゴシック" panose="020B0400000000000000" pitchFamily="49" charset="-128"/>
-                <a:ea typeface="BIZ UDゴシック" panose="020B0400000000000000" pitchFamily="49" charset="-128"/>
-              </a:rPr>
-              <a:t> (:col1_</a:t>
-            </a:r>
-            <a:r>
-              <a:rPr lang="en-US" altLang="ja-JP" sz="1600" b="1" dirty="0" smtClean="0">
-                <a:solidFill>
-                  <a:srgbClr val="FF0000"/>
-                </a:solidFill>
-                <a:latin typeface="BIZ UDゴシック" panose="020B0400000000000000" pitchFamily="49" charset="-128"/>
-                <a:ea typeface="BIZ UDゴシック" panose="020B0400000000000000" pitchFamily="49" charset="-128"/>
-              </a:rPr>
-              <a:t>2</a:t>
-            </a:r>
-            <a:r>
-              <a:rPr lang="en-US" altLang="ja-JP" sz="1600" dirty="0" smtClean="0">
-                <a:solidFill>
-                  <a:schemeClr val="tx1"/>
-                </a:solidFill>
-                <a:latin typeface="BIZ UDゴシック" panose="020B0400000000000000" pitchFamily="49" charset="-128"/>
-                <a:ea typeface="BIZ UDゴシック" panose="020B0400000000000000" pitchFamily="49" charset="-128"/>
-              </a:rPr>
-              <a:t>, :col2_</a:t>
-            </a:r>
-            <a:r>
-              <a:rPr lang="en-US" altLang="ja-JP" sz="1600" b="1" dirty="0" smtClean="0">
-                <a:solidFill>
-                  <a:srgbClr val="FF0000"/>
-                </a:solidFill>
-                <a:latin typeface="BIZ UDゴシック" panose="020B0400000000000000" pitchFamily="49" charset="-128"/>
-                <a:ea typeface="BIZ UDゴシック" panose="020B0400000000000000" pitchFamily="49" charset="-128"/>
-              </a:rPr>
-              <a:t>2</a:t>
-            </a:r>
-            <a:r>
-              <a:rPr lang="en-US" altLang="ja-JP" sz="1600" dirty="0" smtClean="0">
-                <a:solidFill>
-                  <a:schemeClr val="tx1"/>
-                </a:solidFill>
-                <a:latin typeface="BIZ UDゴシック" panose="020B0400000000000000" pitchFamily="49" charset="-128"/>
-                <a:ea typeface="BIZ UDゴシック" panose="020B0400000000000000" pitchFamily="49" charset="-128"/>
-              </a:rPr>
-              <a:t>), ... , (:col1_</a:t>
-            </a:r>
-            <a:r>
-              <a:rPr lang="en-US" altLang="ja-JP" sz="1600" b="1" dirty="0" smtClean="0">
-                <a:solidFill>
-                  <a:srgbClr val="FF0000"/>
-                </a:solidFill>
-                <a:latin typeface="BIZ UDゴシック" panose="020B0400000000000000" pitchFamily="49" charset="-128"/>
-                <a:ea typeface="BIZ UDゴシック" panose="020B0400000000000000" pitchFamily="49" charset="-128"/>
-              </a:rPr>
-              <a:t>N</a:t>
-            </a:r>
-            <a:r>
-              <a:rPr lang="en-US" altLang="ja-JP" sz="1600" dirty="0" smtClean="0">
-                <a:solidFill>
-                  <a:schemeClr val="tx1"/>
-                </a:solidFill>
-                <a:latin typeface="BIZ UDゴシック" panose="020B0400000000000000" pitchFamily="49" charset="-128"/>
-                <a:ea typeface="BIZ UDゴシック" panose="020B0400000000000000" pitchFamily="49" charset="-128"/>
-              </a:rPr>
-              <a:t>, :col2_</a:t>
-            </a:r>
-            <a:r>
-              <a:rPr lang="en-US" altLang="ja-JP" sz="1600" b="1" dirty="0" smtClean="0">
-                <a:solidFill>
-                  <a:srgbClr val="FF0000"/>
-                </a:solidFill>
-                <a:latin typeface="BIZ UDゴシック" panose="020B0400000000000000" pitchFamily="49" charset="-128"/>
-                <a:ea typeface="BIZ UDゴシック" panose="020B0400000000000000" pitchFamily="49" charset="-128"/>
-              </a:rPr>
-              <a:t>N</a:t>
-            </a:r>
-            <a:r>
-              <a:rPr lang="en-US" altLang="ja-JP" sz="1600" dirty="0" smtClean="0">
-                <a:solidFill>
-                  <a:schemeClr val="tx1"/>
-                </a:solidFill>
-                <a:latin typeface="BIZ UDゴシック" panose="020B0400000000000000" pitchFamily="49" charset="-128"/>
-                <a:ea typeface="BIZ UDゴシック" panose="020B0400000000000000" pitchFamily="49" charset="-128"/>
-              </a:rPr>
-              <a:t>) ) </a:t>
+              <a:t>) </a:t>
             </a:r>
             <a:endParaRPr kumimoji="1" lang="ja-JP" altLang="en-US" sz="1600" b="1" dirty="0">
               <a:solidFill>
@@ -5895,22 +5900,54 @@
                 <a:latin typeface="BIZ UDゴシック" panose="020B0400000000000000" pitchFamily="49" charset="-128"/>
                 <a:ea typeface="BIZ UDゴシック" panose="020B0400000000000000" pitchFamily="49" charset="-128"/>
               </a:rPr>
-              <a:t>, SUM(</a:t>
-            </a:r>
-            <a:r>
-              <a:rPr lang="en-US" altLang="ja-JP" b="1" dirty="0" err="1" smtClean="0">
-                <a:latin typeface="BIZ UDゴシック" panose="020B0400000000000000" pitchFamily="49" charset="-128"/>
-                <a:ea typeface="BIZ UDゴシック" panose="020B0400000000000000" pitchFamily="49" charset="-128"/>
-              </a:rPr>
-              <a:t>s.price</a:t>
+              <a:t>, </a:t>
+            </a:r>
+            <a:r>
+              <a:rPr lang="en-US" altLang="ja-JP" b="1" dirty="0">
+                <a:latin typeface="BIZ UDゴシック" panose="020B0400000000000000" pitchFamily="49" charset="-128"/>
+                <a:ea typeface="BIZ UDゴシック" panose="020B0400000000000000" pitchFamily="49" charset="-128"/>
+              </a:rPr>
+              <a:t>COUNT</a:t>
             </a:r>
             <a:r>
               <a:rPr lang="en-US" altLang="ja-JP" b="1" dirty="0" smtClean="0">
                 <a:latin typeface="BIZ UDゴシック" panose="020B0400000000000000" pitchFamily="49" charset="-128"/>
                 <a:ea typeface="BIZ UDゴシック" panose="020B0400000000000000" pitchFamily="49" charset="-128"/>
               </a:rPr>
-              <a:t>)</a:t>
-            </a:r>
+              <a:t>(*)</a:t>
+            </a:r>
+            <a:r>
+              <a:rPr lang="ja-JP" altLang="en-US" b="1" dirty="0" smtClean="0">
+                <a:latin typeface="BIZ UDゴシック" panose="020B0400000000000000" pitchFamily="49" charset="-128"/>
+                <a:ea typeface="BIZ UDゴシック" panose="020B0400000000000000" pitchFamily="49" charset="-128"/>
+              </a:rPr>
+              <a:t> </a:t>
+            </a:r>
+            <a:r>
+              <a:rPr lang="en-US" altLang="ja-JP" b="1" dirty="0" smtClean="0">
+                <a:latin typeface="BIZ UDゴシック" panose="020B0400000000000000" pitchFamily="49" charset="-128"/>
+                <a:ea typeface="BIZ UDゴシック" panose="020B0400000000000000" pitchFamily="49" charset="-128"/>
+              </a:rPr>
+              <a:t>AS </a:t>
+            </a:r>
+            <a:r>
+              <a:rPr lang="en-US" altLang="ja-JP" b="1" dirty="0">
+                <a:latin typeface="BIZ UDゴシック" panose="020B0400000000000000" pitchFamily="49" charset="-128"/>
+                <a:ea typeface="BIZ UDゴシック" panose="020B0400000000000000" pitchFamily="49" charset="-128"/>
+              </a:rPr>
+              <a:t>c</a:t>
+            </a:r>
+            <a:r>
+              <a:rPr lang="en-US" altLang="ja-JP" b="1" dirty="0" smtClean="0">
+                <a:latin typeface="BIZ UDゴシック" panose="020B0400000000000000" pitchFamily="49" charset="-128"/>
+                <a:ea typeface="BIZ UDゴシック" panose="020B0400000000000000" pitchFamily="49" charset="-128"/>
+              </a:rPr>
+              <a:t>ount</a:t>
+            </a:r>
+            <a:endParaRPr lang="en-US" altLang="ja-JP" b="1" dirty="0" smtClean="0">
+              <a:latin typeface="BIZ UDゴシック" panose="020B0400000000000000" pitchFamily="49" charset="-128"/>
+              <a:ea typeface="BIZ UDゴシック" panose="020B0400000000000000" pitchFamily="49" charset="-128"/>
+            </a:endParaRPr>
           </a:p>
           <a:p>
             <a:r>
